--- a/CDC-DOC/2025-12-3_TP_IA.pptx
+++ b/CDC-DOC/2025-12-3_TP_IA.pptx
@@ -5,7 +5,7 @@
     <p:sldMasterId id="2147483648" r:id="rId1"/>
   </p:sldMasterIdLst>
   <p:notesMasterIdLst>
-    <p:notesMasterId r:id="rId10"/>
+    <p:notesMasterId r:id="rId11"/>
   </p:notesMasterIdLst>
   <p:sldIdLst>
     <p:sldId id="256" r:id="rId4"/>
@@ -14,6 +14,7 @@
     <p:sldId id="259" r:id="rId7"/>
     <p:sldId id="260" r:id="rId8"/>
     <p:sldId id="261" r:id="rId9"/>
+    <p:sldId id="262" r:id="rId10"/>
   </p:sldIdLst>
   <p:sldSz cx="12192000" cy="6858000"/>
   <p:notesSz cx="6858000" cy="9144000"/>
@@ -139,7 +140,7 @@
       </p:grpSpPr>
       <p:sp>
         <p:nvSpPr>
-          <p:cNvPr id="223717826" name="Espace réservé d'en-tête 1"/>
+          <p:cNvPr id="555606765" name="Espace réservé d'en-tête 1"/>
           <p:cNvSpPr>
             <a:spLocks noGrp="1"/>
           </p:cNvSpPr>
@@ -173,7 +174,7 @@
       </p:sp>
       <p:sp>
         <p:nvSpPr>
-          <p:cNvPr id="327027230" name="Espace réservé pour la date 2"/>
+          <p:cNvPr id="1407827400" name="Espace réservé pour la date 2"/>
           <p:cNvSpPr>
             <a:spLocks noGrp="1"/>
           </p:cNvSpPr>
@@ -211,7 +212,7 @@
       </p:sp>
       <p:sp>
         <p:nvSpPr>
-          <p:cNvPr id="1216034651" name="Espace réservé pour l'image de la diapositive 3"/>
+          <p:cNvPr id="95230371" name="Espace réservé pour l'image de la diapositive 3"/>
           <p:cNvSpPr>
             <a:spLocks noChangeAspect="1" noGrp="1" noRot="1"/>
           </p:cNvSpPr>
@@ -247,7 +248,7 @@
       </p:sp>
       <p:sp>
         <p:nvSpPr>
-          <p:cNvPr id="321230452" name="Remarques Espace réservé 4"/>
+          <p:cNvPr id="382916311" name="Remarques Espace réservé 4"/>
           <p:cNvSpPr>
             <a:spLocks noGrp="1"/>
           </p:cNvSpPr>
@@ -321,7 +322,7 @@
       </p:sp>
       <p:sp>
         <p:nvSpPr>
-          <p:cNvPr id="1318692545" name="Espace réservé du pied de page 5"/>
+          <p:cNvPr id="934054279" name="Espace réservé du pied de page 5"/>
           <p:cNvSpPr>
             <a:spLocks noGrp="1"/>
           </p:cNvSpPr>
@@ -355,7 +356,7 @@
       </p:sp>
       <p:sp>
         <p:nvSpPr>
-          <p:cNvPr id="1097180487" name="Espace réservé du numéro de diapositive 6"/>
+          <p:cNvPr id="876230818" name="Espace réservé du numéro de diapositive 6"/>
           <p:cNvSpPr>
             <a:spLocks noGrp="1"/>
           </p:cNvSpPr>
@@ -508,7 +509,7 @@
       </p:grpSpPr>
       <p:sp>
         <p:nvSpPr>
-          <p:cNvPr id="1995145403" name="Espace réservé pour l'image de la diapositive 1"/>
+          <p:cNvPr id="879656722" name="Espace réservé pour l'image de la diapositive 1"/>
           <p:cNvSpPr>
             <a:spLocks noChangeAspect="1" noGrp="1" noRot="1"/>
           </p:cNvSpPr>
@@ -525,7 +526,7 @@
       </p:sp>
       <p:sp>
         <p:nvSpPr>
-          <p:cNvPr id="1769965765" name="Remarques Espace réservé 2"/>
+          <p:cNvPr id="341526405" name="Remarques Espace réservé 2"/>
           <p:cNvSpPr>
             <a:spLocks noGrp="1"/>
           </p:cNvSpPr>
@@ -550,7 +551,7 @@
       </p:sp>
       <p:sp>
         <p:nvSpPr>
-          <p:cNvPr id="1107131072" name="Espace réservé pour le numéro de diapositive 3"/>
+          <p:cNvPr id="2031388209" name="Espace réservé pour le numéro de diapositive 3"/>
           <p:cNvSpPr>
             <a:spLocks noGrp="1"/>
           </p:cNvSpPr>
@@ -601,7 +602,7 @@
       </p:grpSpPr>
       <p:sp>
         <p:nvSpPr>
-          <p:cNvPr id="2" name="Slide Image Placeholder 1"/>
+          <p:cNvPr id="1218817637" name="Slide Image Placeholder 1"/>
           <p:cNvSpPr>
             <a:spLocks noChangeAspect="1" noGrp="1" noRot="1"/>
           </p:cNvSpPr>
@@ -613,7 +614,7 @@
       </p:sp>
       <p:sp>
         <p:nvSpPr>
-          <p:cNvPr id="3" name="Notes Placeholder 2"/>
+          <p:cNvPr id="2027033259" name="Notes Placeholder 2"/>
           <p:cNvSpPr>
             <a:spLocks noGrp="1"/>
           </p:cNvSpPr>
@@ -635,7 +636,7 @@
       </p:sp>
       <p:sp>
         <p:nvSpPr>
-          <p:cNvPr id="4" name="Slide Number Placeholder 3"/>
+          <p:cNvPr id="665046497" name="Slide Number Placeholder 3"/>
           <p:cNvSpPr>
             <a:spLocks noGrp="1"/>
           </p:cNvSpPr>
@@ -686,7 +687,7 @@
       </p:grpSpPr>
       <p:sp>
         <p:nvSpPr>
-          <p:cNvPr id="2" name="Slide Image Placeholder 1"/>
+          <p:cNvPr id="346682908" name="Slide Image Placeholder 1"/>
           <p:cNvSpPr>
             <a:spLocks noChangeAspect="1" noGrp="1" noRot="1"/>
           </p:cNvSpPr>
@@ -698,7 +699,7 @@
       </p:sp>
       <p:sp>
         <p:nvSpPr>
-          <p:cNvPr id="3" name="Notes Placeholder 2"/>
+          <p:cNvPr id="1251369007" name="Notes Placeholder 2"/>
           <p:cNvSpPr>
             <a:spLocks noGrp="1"/>
           </p:cNvSpPr>
@@ -720,7 +721,7 @@
       </p:sp>
       <p:sp>
         <p:nvSpPr>
-          <p:cNvPr id="4" name="Slide Number Placeholder 3"/>
+          <p:cNvPr id="169088880" name="Slide Number Placeholder 3"/>
           <p:cNvSpPr>
             <a:spLocks noGrp="1"/>
           </p:cNvSpPr>
@@ -771,7 +772,7 @@
       </p:grpSpPr>
       <p:sp>
         <p:nvSpPr>
-          <p:cNvPr id="2" name="Slide Image Placeholder 1"/>
+          <p:cNvPr id="914331786" name="Slide Image Placeholder 1"/>
           <p:cNvSpPr>
             <a:spLocks noChangeAspect="1" noGrp="1" noRot="1"/>
           </p:cNvSpPr>
@@ -783,7 +784,7 @@
       </p:sp>
       <p:sp>
         <p:nvSpPr>
-          <p:cNvPr id="3" name="Notes Placeholder 2"/>
+          <p:cNvPr id="1210767708" name="Notes Placeholder 2"/>
           <p:cNvSpPr>
             <a:spLocks noGrp="1"/>
           </p:cNvSpPr>
@@ -805,7 +806,7 @@
       </p:sp>
       <p:sp>
         <p:nvSpPr>
-          <p:cNvPr id="4" name="Slide Number Placeholder 3"/>
+          <p:cNvPr id="1520123829" name="Slide Number Placeholder 3"/>
           <p:cNvSpPr>
             <a:spLocks noGrp="1"/>
           </p:cNvSpPr>
@@ -856,7 +857,7 @@
       </p:grpSpPr>
       <p:sp>
         <p:nvSpPr>
-          <p:cNvPr id="2" name="Slide Image Placeholder 1"/>
+          <p:cNvPr id="647912121" name="Slide Image Placeholder 1"/>
           <p:cNvSpPr>
             <a:spLocks noChangeAspect="1" noGrp="1" noRot="1"/>
           </p:cNvSpPr>
@@ -868,7 +869,7 @@
       </p:sp>
       <p:sp>
         <p:nvSpPr>
-          <p:cNvPr id="3" name="Notes Placeholder 2"/>
+          <p:cNvPr id="1480723692" name="Notes Placeholder 2"/>
           <p:cNvSpPr>
             <a:spLocks noGrp="1"/>
           </p:cNvSpPr>
@@ -890,7 +891,7 @@
       </p:sp>
       <p:sp>
         <p:nvSpPr>
-          <p:cNvPr id="4" name="Slide Number Placeholder 3"/>
+          <p:cNvPr id="788435730" name="Slide Number Placeholder 3"/>
           <p:cNvSpPr>
             <a:spLocks noGrp="1"/>
           </p:cNvSpPr>
@@ -941,7 +942,7 @@
       </p:grpSpPr>
       <p:sp>
         <p:nvSpPr>
-          <p:cNvPr id="2" name="Slide Image Placeholder 1"/>
+          <p:cNvPr id="1713100086" name="Slide Image Placeholder 1"/>
           <p:cNvSpPr>
             <a:spLocks noChangeAspect="1" noGrp="1" noRot="1"/>
           </p:cNvSpPr>
@@ -953,7 +954,7 @@
       </p:sp>
       <p:sp>
         <p:nvSpPr>
-          <p:cNvPr id="3" name="Notes Placeholder 2"/>
+          <p:cNvPr id="1750585810" name="Notes Placeholder 2"/>
           <p:cNvSpPr>
             <a:spLocks noGrp="1"/>
           </p:cNvSpPr>
@@ -975,7 +976,7 @@
       </p:sp>
       <p:sp>
         <p:nvSpPr>
-          <p:cNvPr id="4" name="Slide Number Placeholder 3"/>
+          <p:cNvPr id="1343446472" name="Slide Number Placeholder 3"/>
           <p:cNvSpPr>
             <a:spLocks noGrp="1"/>
           </p:cNvSpPr>
@@ -992,6 +993,91 @@
               <a:defRPr/>
             </a:pPr>
             <a:fld id="{DEEF5936-1FD3-99F0-C578-2E0C81C26625}" type="slidenum">
+              <a:rPr/>
+              <a:t/>
+            </a:fld>
+            <a:endParaRPr/>
+          </a:p>
+        </p:txBody>
+      </p:sp>
+    </p:spTree>
+  </p:cSld>
+  <p:clrMapOvr>
+    <a:masterClrMapping/>
+  </p:clrMapOvr>
+</p:notes>
+</file>
+
+<file path=ppt/notesSlides/notesSlide7.xml><?xml version="1.0" encoding="utf-8"?>
+<p:notes xmlns:a="http://schemas.openxmlformats.org/drawingml/2006/main" xmlns:r="http://schemas.openxmlformats.org/officeDocument/2006/relationships" xmlns:p="http://schemas.openxmlformats.org/presentationml/2006/main" xmlns:m="http://schemas.openxmlformats.org/officeDocument/2006/math" xmlns:w="http://schemas.openxmlformats.org/wordprocessingml/2006/main">
+  <p:cSld name="">
+    <p:spTree>
+      <p:nvGrpSpPr>
+        <p:cNvPr id="1" name=""/>
+        <p:cNvGrpSpPr/>
+        <p:nvPr/>
+      </p:nvGrpSpPr>
+      <p:grpSpPr bwMode="auto">
+        <a:xfrm>
+          <a:off x="0" y="0"/>
+          <a:ext cx="0" cy="0"/>
+          <a:chOff x="0" y="0"/>
+          <a:chExt cx="0" cy="0"/>
+        </a:xfrm>
+      </p:grpSpPr>
+      <p:sp>
+        <p:nvSpPr>
+          <p:cNvPr id="2" name="Slide Image Placeholder 1"/>
+          <p:cNvSpPr>
+            <a:spLocks noChangeAspect="1" noGrp="1" noRot="1"/>
+          </p:cNvSpPr>
+          <p:nvPr>
+            <p:ph type="sldImg"/>
+          </p:nvPr>
+        </p:nvSpPr>
+        <p:spPr bwMode="auto"/>
+      </p:sp>
+      <p:sp>
+        <p:nvSpPr>
+          <p:cNvPr id="3" name="Notes Placeholder 2"/>
+          <p:cNvSpPr>
+            <a:spLocks noGrp="1"/>
+          </p:cNvSpPr>
+          <p:nvPr>
+            <p:ph type="body" idx="1"/>
+          </p:nvPr>
+        </p:nvSpPr>
+        <p:spPr bwMode="auto"/>
+        <p:txBody>
+          <a:bodyPr/>
+          <a:lstStyle/>
+          <a:p>
+            <a:pPr>
+              <a:defRPr/>
+            </a:pPr>
+            <a:endParaRPr/>
+          </a:p>
+        </p:txBody>
+      </p:sp>
+      <p:sp>
+        <p:nvSpPr>
+          <p:cNvPr id="4" name="Slide Number Placeholder 3"/>
+          <p:cNvSpPr>
+            <a:spLocks noGrp="1"/>
+          </p:cNvSpPr>
+          <p:nvPr>
+            <p:ph type="sldNum" sz="quarter" idx="10"/>
+          </p:nvPr>
+        </p:nvSpPr>
+        <p:spPr bwMode="auto"/>
+        <p:txBody>
+          <a:bodyPr/>
+          <a:lstStyle/>
+          <a:p>
+            <a:pPr>
+              <a:defRPr/>
+            </a:pPr>
+            <a:fld id="{523AD44C-6E64-BA60-B9F1-401570180DFF}" type="slidenum">
               <a:rPr/>
               <a:t/>
             </a:fld>
@@ -1026,7 +1112,7 @@
       </p:grpSpPr>
       <p:sp>
         <p:nvSpPr>
-          <p:cNvPr id="1941492303" name="Shape 1059"/>
+          <p:cNvPr id="1649296651" name="Shape 1059"/>
           <p:cNvSpPr>
             <a:spLocks noChangeArrowheads="1" noGrp="1"/>
           </p:cNvSpPr>
@@ -1149,7 +1235,7 @@
       </p:sp>
       <p:sp>
         <p:nvSpPr>
-          <p:cNvPr id="921055535" name="Shape 1060"/>
+          <p:cNvPr id="763992810" name="Shape 1060"/>
           <p:cNvSpPr>
             <a:spLocks noChangeArrowheads="1" noGrp="1"/>
           </p:cNvSpPr>
@@ -1158,7 +1244,7 @@
         <p:spPr bwMode="auto">
           <a:xfrm>
             <a:off x="1309514" y="1839834"/>
-            <a:ext cx="4011787" cy="1314325"/>
+            <a:ext cx="4011787" cy="1314324"/>
           </a:xfrm>
           <a:custGeom>
             <a:avLst/>
@@ -1240,7 +1326,7 @@
       </p:sp>
       <p:sp>
         <p:nvSpPr>
-          <p:cNvPr id="1714411598" name="Shape 1061"/>
+          <p:cNvPr id="58702093" name="Shape 1061"/>
           <p:cNvSpPr>
             <a:spLocks noChangeArrowheads="1" noGrp="1"/>
           </p:cNvSpPr>
@@ -1248,7 +1334,7 @@
         </p:nvSpPr>
         <p:spPr bwMode="auto">
           <a:xfrm>
-            <a:off x="6567031" y="4629133"/>
+            <a:off x="6567030" y="4629133"/>
             <a:ext cx="5395523" cy="2231707"/>
           </a:xfrm>
           <a:custGeom>
@@ -1326,7 +1412,7 @@
       </p:sp>
       <p:sp>
         <p:nvSpPr>
-          <p:cNvPr id="986782246" name="Shape 1062"/>
+          <p:cNvPr id="853731662" name="Shape 1062"/>
           <p:cNvSpPr>
             <a:spLocks noChangeArrowheads="1" noGrp="1"/>
           </p:cNvSpPr>
@@ -1404,7 +1490,7 @@
       </p:sp>
       <p:sp>
         <p:nvSpPr>
-          <p:cNvPr id="1692920654" name="Shape 1063"/>
+          <p:cNvPr id="264311224" name="Shape 1063"/>
           <p:cNvSpPr>
             <a:spLocks noChangeArrowheads="1" noGrp="1"/>
           </p:cNvSpPr>
@@ -1482,7 +1568,7 @@
       </p:sp>
       <p:sp>
         <p:nvSpPr>
-          <p:cNvPr id="409563726" name="Subtitle 2"/>
+          <p:cNvPr id="2012097087" name="Subtitle 2"/>
           <p:cNvSpPr>
             <a:spLocks noGrp="1"/>
           </p:cNvSpPr>
@@ -1493,7 +1579,7 @@
         <p:spPr bwMode="auto">
           <a:xfrm>
             <a:off x="4655839" y="2708919"/>
-            <a:ext cx="6720746" cy="720079"/>
+            <a:ext cx="6720745" cy="720079"/>
           </a:xfrm>
         </p:spPr>
         <p:txBody>
@@ -1605,7 +1691,7 @@
       </p:sp>
       <p:sp>
         <p:nvSpPr>
-          <p:cNvPr id="1709754413" name="Date Placeholder 3"/>
+          <p:cNvPr id="317217554" name="Date Placeholder 3"/>
           <p:cNvSpPr>
             <a:spLocks noGrp="1"/>
           </p:cNvSpPr>
@@ -1631,7 +1717,7 @@
       </p:sp>
       <p:sp>
         <p:nvSpPr>
-          <p:cNvPr id="1998090779" name="Footer Placeholder 4"/>
+          <p:cNvPr id="773088284" name="Footer Placeholder 4"/>
           <p:cNvSpPr>
             <a:spLocks noGrp="1"/>
           </p:cNvSpPr>
@@ -1653,7 +1739,7 @@
       </p:sp>
       <p:sp>
         <p:nvSpPr>
-          <p:cNvPr id="2028311388" name="Slide Number Placeholder 5"/>
+          <p:cNvPr id="81652977" name="Slide Number Placeholder 5"/>
           <p:cNvSpPr>
             <a:spLocks noGrp="1"/>
           </p:cNvSpPr>
@@ -1679,7 +1765,7 @@
       </p:sp>
       <p:sp>
         <p:nvSpPr>
-          <p:cNvPr id="1035827456" name="Title 6"/>
+          <p:cNvPr id="60594880" name="Title 6"/>
           <p:cNvSpPr>
             <a:spLocks noGrp="1"/>
           </p:cNvSpPr>
@@ -1690,7 +1776,7 @@
         <p:spPr bwMode="auto">
           <a:xfrm>
             <a:off x="4595833" y="1808820"/>
-            <a:ext cx="6720746" cy="720079"/>
+            <a:ext cx="6720745" cy="720079"/>
           </a:xfrm>
         </p:spPr>
         <p:txBody>
@@ -1739,7 +1825,7 @@
       </p:grpSpPr>
       <p:sp>
         <p:nvSpPr>
-          <p:cNvPr id="1770078176" name="Title 1"/>
+          <p:cNvPr id="790366443" name="Title 1"/>
           <p:cNvSpPr>
             <a:spLocks noGrp="1"/>
           </p:cNvSpPr>
@@ -1765,7 +1851,7 @@
       </p:sp>
       <p:sp>
         <p:nvSpPr>
-          <p:cNvPr id="720849689" name="Vertical Text Placeholder 2"/>
+          <p:cNvPr id="1052251958" name="Vertical Text Placeholder 2"/>
           <p:cNvSpPr>
             <a:spLocks noGrp="1"/>
           </p:cNvSpPr>
@@ -1831,7 +1917,7 @@
       </p:sp>
       <p:sp>
         <p:nvSpPr>
-          <p:cNvPr id="520272587" name="Date Placeholder 3"/>
+          <p:cNvPr id="18305379" name="Date Placeholder 3"/>
           <p:cNvSpPr>
             <a:spLocks noGrp="1"/>
           </p:cNvSpPr>
@@ -1857,7 +1943,7 @@
       </p:sp>
       <p:sp>
         <p:nvSpPr>
-          <p:cNvPr id="234209521" name="Footer Placeholder 4"/>
+          <p:cNvPr id="1545665428" name="Footer Placeholder 4"/>
           <p:cNvSpPr>
             <a:spLocks noGrp="1"/>
           </p:cNvSpPr>
@@ -1879,7 +1965,7 @@
       </p:sp>
       <p:sp>
         <p:nvSpPr>
-          <p:cNvPr id="178440087" name="Slide Number Placeholder 5"/>
+          <p:cNvPr id="7177424" name="Slide Number Placeholder 5"/>
           <p:cNvSpPr>
             <a:spLocks noGrp="1"/>
           </p:cNvSpPr>
@@ -1930,7 +2016,7 @@
       </p:grpSpPr>
       <p:sp>
         <p:nvSpPr>
-          <p:cNvPr id="94583915" name="Vertical Title 1"/>
+          <p:cNvPr id="1197167239" name="Vertical Title 1"/>
           <p:cNvSpPr>
             <a:spLocks noGrp="1"/>
           </p:cNvSpPr>
@@ -1965,7 +2051,7 @@
       </p:sp>
       <p:sp>
         <p:nvSpPr>
-          <p:cNvPr id="1622034074" name="Vertical Text Placeholder 2"/>
+          <p:cNvPr id="1939696752" name="Vertical Text Placeholder 2"/>
           <p:cNvSpPr>
             <a:spLocks noGrp="1"/>
           </p:cNvSpPr>
@@ -2036,7 +2122,7 @@
       </p:sp>
       <p:sp>
         <p:nvSpPr>
-          <p:cNvPr id="1275456085" name="Date Placeholder 3"/>
+          <p:cNvPr id="1376542943" name="Date Placeholder 3"/>
           <p:cNvSpPr>
             <a:spLocks noGrp="1"/>
           </p:cNvSpPr>
@@ -2062,7 +2148,7 @@
       </p:sp>
       <p:sp>
         <p:nvSpPr>
-          <p:cNvPr id="468646449" name="Footer Placeholder 4"/>
+          <p:cNvPr id="521079960" name="Footer Placeholder 4"/>
           <p:cNvSpPr>
             <a:spLocks noGrp="1"/>
           </p:cNvSpPr>
@@ -2084,7 +2170,7 @@
       </p:sp>
       <p:sp>
         <p:nvSpPr>
-          <p:cNvPr id="1072277545" name="Slide Number Placeholder 5"/>
+          <p:cNvPr id="1232393916" name="Slide Number Placeholder 5"/>
           <p:cNvSpPr>
             <a:spLocks noGrp="1"/>
           </p:cNvSpPr>
@@ -2135,7 +2221,7 @@
       </p:grpSpPr>
       <p:sp>
         <p:nvSpPr>
-          <p:cNvPr id="552676464" name="Title 1"/>
+          <p:cNvPr id="261353837" name="Title 1"/>
           <p:cNvSpPr>
             <a:spLocks noGrp="1"/>
           </p:cNvSpPr>
@@ -2161,7 +2247,7 @@
       </p:sp>
       <p:sp>
         <p:nvSpPr>
-          <p:cNvPr id="1934788376" name="Content Placeholder 2"/>
+          <p:cNvPr id="965382456" name="Content Placeholder 2"/>
           <p:cNvSpPr>
             <a:spLocks noGrp="1"/>
           </p:cNvSpPr>
@@ -2227,7 +2313,7 @@
       </p:sp>
       <p:sp>
         <p:nvSpPr>
-          <p:cNvPr id="1366265665" name="Date Placeholder 3"/>
+          <p:cNvPr id="918175160" name="Date Placeholder 3"/>
           <p:cNvSpPr>
             <a:spLocks noGrp="1"/>
           </p:cNvSpPr>
@@ -2253,7 +2339,7 @@
       </p:sp>
       <p:sp>
         <p:nvSpPr>
-          <p:cNvPr id="103677082" name="Footer Placeholder 4"/>
+          <p:cNvPr id="2043917321" name="Footer Placeholder 4"/>
           <p:cNvSpPr>
             <a:spLocks noGrp="1"/>
           </p:cNvSpPr>
@@ -2275,7 +2361,7 @@
       </p:sp>
       <p:sp>
         <p:nvSpPr>
-          <p:cNvPr id="726728421" name="Slide Number Placeholder 5"/>
+          <p:cNvPr id="1828842383" name="Slide Number Placeholder 5"/>
           <p:cNvSpPr>
             <a:spLocks noGrp="1"/>
           </p:cNvSpPr>
@@ -2326,7 +2412,7 @@
       </p:grpSpPr>
       <p:sp>
         <p:nvSpPr>
-          <p:cNvPr id="184107488" name="Title 1"/>
+          <p:cNvPr id="1949032718" name="Title 1"/>
           <p:cNvSpPr>
             <a:spLocks noGrp="1"/>
           </p:cNvSpPr>
@@ -2361,7 +2447,7 @@
       </p:sp>
       <p:sp>
         <p:nvSpPr>
-          <p:cNvPr id="359149618" name="Text Placeholder 2"/>
+          <p:cNvPr id="365986100" name="Text Placeholder 2"/>
           <p:cNvSpPr>
             <a:spLocks noGrp="1"/>
           </p:cNvSpPr>
@@ -2483,7 +2569,7 @@
       </p:sp>
       <p:sp>
         <p:nvSpPr>
-          <p:cNvPr id="1930511596" name="Date Placeholder 3"/>
+          <p:cNvPr id="1614669481" name="Date Placeholder 3"/>
           <p:cNvSpPr>
             <a:spLocks noGrp="1"/>
           </p:cNvSpPr>
@@ -2509,7 +2595,7 @@
       </p:sp>
       <p:sp>
         <p:nvSpPr>
-          <p:cNvPr id="1854405887" name="Footer Placeholder 4"/>
+          <p:cNvPr id="396240310" name="Footer Placeholder 4"/>
           <p:cNvSpPr>
             <a:spLocks noGrp="1"/>
           </p:cNvSpPr>
@@ -2531,7 +2617,7 @@
       </p:sp>
       <p:sp>
         <p:nvSpPr>
-          <p:cNvPr id="1349086672" name="Slide Number Placeholder 5"/>
+          <p:cNvPr id="303891166" name="Slide Number Placeholder 5"/>
           <p:cNvSpPr>
             <a:spLocks noGrp="1"/>
           </p:cNvSpPr>
@@ -2582,7 +2668,7 @@
       </p:grpSpPr>
       <p:sp>
         <p:nvSpPr>
-          <p:cNvPr id="376153857" name="Title 1"/>
+          <p:cNvPr id="785447582" name="Title 1"/>
           <p:cNvSpPr>
             <a:spLocks noGrp="1"/>
           </p:cNvSpPr>
@@ -2608,7 +2694,7 @@
       </p:sp>
       <p:sp>
         <p:nvSpPr>
-          <p:cNvPr id="1727021389" name="Content Placeholder 2"/>
+          <p:cNvPr id="292820968" name="Content Placeholder 2"/>
           <p:cNvSpPr>
             <a:spLocks noGrp="1"/>
           </p:cNvSpPr>
@@ -2707,7 +2793,7 @@
       </p:sp>
       <p:sp>
         <p:nvSpPr>
-          <p:cNvPr id="1872362844" name="Content Placeholder 3"/>
+          <p:cNvPr id="1372939286" name="Content Placeholder 3"/>
           <p:cNvSpPr>
             <a:spLocks noGrp="1"/>
           </p:cNvSpPr>
@@ -2806,7 +2892,7 @@
       </p:sp>
       <p:sp>
         <p:nvSpPr>
-          <p:cNvPr id="821276261" name="Date Placeholder 4"/>
+          <p:cNvPr id="1440844511" name="Date Placeholder 4"/>
           <p:cNvSpPr>
             <a:spLocks noGrp="1"/>
           </p:cNvSpPr>
@@ -2832,7 +2918,7 @@
       </p:sp>
       <p:sp>
         <p:nvSpPr>
-          <p:cNvPr id="1100176858" name="Footer Placeholder 5"/>
+          <p:cNvPr id="141762636" name="Footer Placeholder 5"/>
           <p:cNvSpPr>
             <a:spLocks noGrp="1"/>
           </p:cNvSpPr>
@@ -2854,7 +2940,7 @@
       </p:sp>
       <p:sp>
         <p:nvSpPr>
-          <p:cNvPr id="537488479" name="Slide Number Placeholder 6"/>
+          <p:cNvPr id="1676299044" name="Slide Number Placeholder 6"/>
           <p:cNvSpPr>
             <a:spLocks noGrp="1"/>
           </p:cNvSpPr>
@@ -2905,7 +2991,7 @@
       </p:grpSpPr>
       <p:sp>
         <p:nvSpPr>
-          <p:cNvPr id="157267690" name="Title 1"/>
+          <p:cNvPr id="459783714" name="Title 1"/>
           <p:cNvSpPr>
             <a:spLocks noGrp="1"/>
           </p:cNvSpPr>
@@ -2935,7 +3021,7 @@
       </p:sp>
       <p:sp>
         <p:nvSpPr>
-          <p:cNvPr id="2036815840" name="Text Placeholder 2"/>
+          <p:cNvPr id="472992514" name="Text Placeholder 2"/>
           <p:cNvSpPr>
             <a:spLocks noGrp="1"/>
           </p:cNvSpPr>
@@ -3003,7 +3089,7 @@
       </p:sp>
       <p:sp>
         <p:nvSpPr>
-          <p:cNvPr id="1873667013" name="Content Placeholder 3"/>
+          <p:cNvPr id="401411347" name="Content Placeholder 3"/>
           <p:cNvSpPr>
             <a:spLocks noGrp="1"/>
           </p:cNvSpPr>
@@ -3102,7 +3188,7 @@
       </p:sp>
       <p:sp>
         <p:nvSpPr>
-          <p:cNvPr id="1442158485" name="Text Placeholder 4"/>
+          <p:cNvPr id="1204248507" name="Text Placeholder 4"/>
           <p:cNvSpPr>
             <a:spLocks noGrp="1"/>
           </p:cNvSpPr>
@@ -3170,7 +3256,7 @@
       </p:sp>
       <p:sp>
         <p:nvSpPr>
-          <p:cNvPr id="427888951" name="Content Placeholder 5"/>
+          <p:cNvPr id="1032539627" name="Content Placeholder 5"/>
           <p:cNvSpPr>
             <a:spLocks noGrp="1"/>
           </p:cNvSpPr>
@@ -3269,7 +3355,7 @@
       </p:sp>
       <p:sp>
         <p:nvSpPr>
-          <p:cNvPr id="425095284" name="Date Placeholder 6"/>
+          <p:cNvPr id="300301871" name="Date Placeholder 6"/>
           <p:cNvSpPr>
             <a:spLocks noGrp="1"/>
           </p:cNvSpPr>
@@ -3295,7 +3381,7 @@
       </p:sp>
       <p:sp>
         <p:nvSpPr>
-          <p:cNvPr id="1195526969" name="Footer Placeholder 7"/>
+          <p:cNvPr id="119374684" name="Footer Placeholder 7"/>
           <p:cNvSpPr>
             <a:spLocks noGrp="1"/>
           </p:cNvSpPr>
@@ -3317,7 +3403,7 @@
       </p:sp>
       <p:sp>
         <p:nvSpPr>
-          <p:cNvPr id="1648906314" name="Slide Number Placeholder 8"/>
+          <p:cNvPr id="1906108282" name="Slide Number Placeholder 8"/>
           <p:cNvSpPr>
             <a:spLocks noGrp="1"/>
           </p:cNvSpPr>
@@ -3368,7 +3454,7 @@
       </p:grpSpPr>
       <p:sp>
         <p:nvSpPr>
-          <p:cNvPr id="750606205" name="Title 1"/>
+          <p:cNvPr id="424932780" name="Title 1"/>
           <p:cNvSpPr>
             <a:spLocks noGrp="1"/>
           </p:cNvSpPr>
@@ -3394,7 +3480,7 @@
       </p:sp>
       <p:sp>
         <p:nvSpPr>
-          <p:cNvPr id="2069538973" name="Date Placeholder 2"/>
+          <p:cNvPr id="841160877" name="Date Placeholder 2"/>
           <p:cNvSpPr>
             <a:spLocks noGrp="1"/>
           </p:cNvSpPr>
@@ -3420,7 +3506,7 @@
       </p:sp>
       <p:sp>
         <p:nvSpPr>
-          <p:cNvPr id="1904929802" name="Footer Placeholder 3"/>
+          <p:cNvPr id="1802719050" name="Footer Placeholder 3"/>
           <p:cNvSpPr>
             <a:spLocks noGrp="1"/>
           </p:cNvSpPr>
@@ -3442,7 +3528,7 @@
       </p:sp>
       <p:sp>
         <p:nvSpPr>
-          <p:cNvPr id="712438233" name="Slide Number Placeholder 4"/>
+          <p:cNvPr id="614125717" name="Slide Number Placeholder 4"/>
           <p:cNvSpPr>
             <a:spLocks noGrp="1"/>
           </p:cNvSpPr>
@@ -3493,7 +3579,7 @@
       </p:grpSpPr>
       <p:sp>
         <p:nvSpPr>
-          <p:cNvPr id="1363667101" name="Date Placeholder 1"/>
+          <p:cNvPr id="1382840826" name="Date Placeholder 1"/>
           <p:cNvSpPr>
             <a:spLocks noGrp="1"/>
           </p:cNvSpPr>
@@ -3519,7 +3605,7 @@
       </p:sp>
       <p:sp>
         <p:nvSpPr>
-          <p:cNvPr id="1927892652" name="Footer Placeholder 2"/>
+          <p:cNvPr id="384144868" name="Footer Placeholder 2"/>
           <p:cNvSpPr>
             <a:spLocks noGrp="1"/>
           </p:cNvSpPr>
@@ -3541,7 +3627,7 @@
       </p:sp>
       <p:sp>
         <p:nvSpPr>
-          <p:cNvPr id="290921535" name="Slide Number Placeholder 3"/>
+          <p:cNvPr id="1370109424" name="Slide Number Placeholder 3"/>
           <p:cNvSpPr>
             <a:spLocks noGrp="1"/>
           </p:cNvSpPr>
@@ -3592,7 +3678,7 @@
       </p:grpSpPr>
       <p:sp>
         <p:nvSpPr>
-          <p:cNvPr id="1963063699" name="Title 1"/>
+          <p:cNvPr id="167732089" name="Title 1"/>
           <p:cNvSpPr>
             <a:spLocks noGrp="1"/>
           </p:cNvSpPr>
@@ -3627,7 +3713,7 @@
       </p:sp>
       <p:sp>
         <p:nvSpPr>
-          <p:cNvPr id="1914567892" name="Content Placeholder 2"/>
+          <p:cNvPr id="1009104129" name="Content Placeholder 2"/>
           <p:cNvSpPr>
             <a:spLocks noGrp="1"/>
           </p:cNvSpPr>
@@ -3726,7 +3812,7 @@
       </p:sp>
       <p:sp>
         <p:nvSpPr>
-          <p:cNvPr id="1055886028" name="Text Placeholder 3"/>
+          <p:cNvPr id="1852341782" name="Text Placeholder 3"/>
           <p:cNvSpPr>
             <a:spLocks noGrp="1"/>
           </p:cNvSpPr>
@@ -3794,7 +3880,7 @@
       </p:sp>
       <p:sp>
         <p:nvSpPr>
-          <p:cNvPr id="1213559304" name="Date Placeholder 4"/>
+          <p:cNvPr id="1328498074" name="Date Placeholder 4"/>
           <p:cNvSpPr>
             <a:spLocks noGrp="1"/>
           </p:cNvSpPr>
@@ -3820,7 +3906,7 @@
       </p:sp>
       <p:sp>
         <p:nvSpPr>
-          <p:cNvPr id="514917533" name="Footer Placeholder 5"/>
+          <p:cNvPr id="854788723" name="Footer Placeholder 5"/>
           <p:cNvSpPr>
             <a:spLocks noGrp="1"/>
           </p:cNvSpPr>
@@ -3842,7 +3928,7 @@
       </p:sp>
       <p:sp>
         <p:nvSpPr>
-          <p:cNvPr id="1161516751" name="Slide Number Placeholder 6"/>
+          <p:cNvPr id="31303911" name="Slide Number Placeholder 6"/>
           <p:cNvSpPr>
             <a:spLocks noGrp="1"/>
           </p:cNvSpPr>
@@ -3893,7 +3979,7 @@
       </p:grpSpPr>
       <p:sp>
         <p:nvSpPr>
-          <p:cNvPr id="1644432009" name="Title 1"/>
+          <p:cNvPr id="159698879" name="Title 1"/>
           <p:cNvSpPr>
             <a:spLocks noGrp="1"/>
           </p:cNvSpPr>
@@ -3928,7 +4014,7 @@
       </p:sp>
       <p:sp>
         <p:nvSpPr>
-          <p:cNvPr id="1104205388" name="Picture Placeholder 2"/>
+          <p:cNvPr id="1337880913" name="Picture Placeholder 2"/>
           <p:cNvSpPr>
             <a:spLocks noGrp="1"/>
           </p:cNvSpPr>
@@ -3992,7 +4078,7 @@
       </p:sp>
       <p:sp>
         <p:nvSpPr>
-          <p:cNvPr id="1629789957" name="Text Placeholder 3"/>
+          <p:cNvPr id="2100589992" name="Text Placeholder 3"/>
           <p:cNvSpPr>
             <a:spLocks noGrp="1"/>
           </p:cNvSpPr>
@@ -4060,7 +4146,7 @@
       </p:sp>
       <p:sp>
         <p:nvSpPr>
-          <p:cNvPr id="419552643" name="Date Placeholder 4"/>
+          <p:cNvPr id="1066317285" name="Date Placeholder 4"/>
           <p:cNvSpPr>
             <a:spLocks noGrp="1"/>
           </p:cNvSpPr>
@@ -4086,7 +4172,7 @@
       </p:sp>
       <p:sp>
         <p:nvSpPr>
-          <p:cNvPr id="65845613" name="Footer Placeholder 5"/>
+          <p:cNvPr id="1466179367" name="Footer Placeholder 5"/>
           <p:cNvSpPr>
             <a:spLocks noGrp="1"/>
           </p:cNvSpPr>
@@ -4108,7 +4194,7 @@
       </p:sp>
       <p:sp>
         <p:nvSpPr>
-          <p:cNvPr id="809500205" name="Slide Number Placeholder 6"/>
+          <p:cNvPr id="1499930506" name="Slide Number Placeholder 6"/>
           <p:cNvSpPr>
             <a:spLocks noGrp="1"/>
           </p:cNvSpPr>
@@ -4164,7 +4250,7 @@
       </p:grpSpPr>
       <p:sp>
         <p:nvSpPr>
-          <p:cNvPr id="737205246" name="Shape 1059"/>
+          <p:cNvPr id="2089903860" name="Shape 1059"/>
           <p:cNvSpPr>
             <a:spLocks noChangeArrowheads="1" noGrp="1"/>
           </p:cNvSpPr>
@@ -4242,7 +4328,7 @@
       </p:sp>
       <p:sp>
         <p:nvSpPr>
-          <p:cNvPr id="950412818" name="Shape 1060"/>
+          <p:cNvPr id="1663210805" name="Shape 1060"/>
           <p:cNvSpPr>
             <a:spLocks noChangeArrowheads="1" noGrp="1"/>
           </p:cNvSpPr>
@@ -4323,7 +4409,7 @@
       </p:sp>
       <p:sp>
         <p:nvSpPr>
-          <p:cNvPr id="1765651437" name="Shape 1061"/>
+          <p:cNvPr id="1522054757" name="Shape 1061"/>
           <p:cNvSpPr>
             <a:spLocks noChangeArrowheads="1" noGrp="1"/>
           </p:cNvSpPr>
@@ -4331,7 +4417,7 @@
         </p:nvSpPr>
         <p:spPr bwMode="auto">
           <a:xfrm>
-            <a:off x="1637457" y="1"/>
+            <a:off x="1637456" y="1"/>
             <a:ext cx="3839633" cy="2609650"/>
           </a:xfrm>
           <a:custGeom>
@@ -4441,7 +4527,7 @@
       </p:sp>
       <p:sp>
         <p:nvSpPr>
-          <p:cNvPr id="639188898" name="Title 1"/>
+          <p:cNvPr id="1959355745" name="Title 1"/>
           <p:cNvSpPr>
             <a:spLocks noGrp="1"/>
           </p:cNvSpPr>
@@ -4477,7 +4563,7 @@
       </p:sp>
       <p:sp>
         <p:nvSpPr>
-          <p:cNvPr id="942962478" name="Text Placeholder 2"/>
+          <p:cNvPr id="953953571" name="Text Placeholder 2"/>
           <p:cNvSpPr>
             <a:spLocks noGrp="1"/>
           </p:cNvSpPr>
@@ -4553,7 +4639,7 @@
       </p:sp>
       <p:sp>
         <p:nvSpPr>
-          <p:cNvPr id="230854045" name="Date Placeholder 3"/>
+          <p:cNvPr id="479806061" name="Date Placeholder 3"/>
           <p:cNvSpPr>
             <a:spLocks noGrp="1"/>
           </p:cNvSpPr>
@@ -4564,7 +4650,7 @@
         <p:spPr bwMode="auto">
           <a:xfrm>
             <a:off x="609599" y="6356351"/>
-            <a:ext cx="2844799" cy="365125"/>
+            <a:ext cx="2844798" cy="365125"/>
           </a:xfrm>
           <a:prstGeom prst="rect">
             <a:avLst/>
@@ -4597,7 +4683,7 @@
       </p:sp>
       <p:sp>
         <p:nvSpPr>
-          <p:cNvPr id="1213980403" name="Footer Placeholder 4"/>
+          <p:cNvPr id="313542441" name="Footer Placeholder 4"/>
           <p:cNvSpPr>
             <a:spLocks noGrp="1"/>
           </p:cNvSpPr>
@@ -4637,7 +4723,7 @@
       </p:sp>
       <p:sp>
         <p:nvSpPr>
-          <p:cNvPr id="1017214304" name="Slide Number Placeholder 5"/>
+          <p:cNvPr id="1474860755" name="Slide Number Placeholder 5"/>
           <p:cNvSpPr>
             <a:spLocks noGrp="1"/>
           </p:cNvSpPr>
@@ -4648,7 +4734,7 @@
         <p:spPr bwMode="auto">
           <a:xfrm>
             <a:off x="8737599" y="6356351"/>
-            <a:ext cx="2844799" cy="365125"/>
+            <a:ext cx="2844798" cy="365125"/>
           </a:xfrm>
           <a:prstGeom prst="rect">
             <a:avLst/>
@@ -4985,7 +5071,7 @@
       </p:grpSpPr>
       <p:sp>
         <p:nvSpPr>
-          <p:cNvPr id="593886087" name="Title 1"/>
+          <p:cNvPr id="1460512314" name="Title 1"/>
           <p:cNvSpPr>
             <a:spLocks noGrp="1"/>
           </p:cNvSpPr>
@@ -5011,7 +5097,7 @@
       </p:sp>
       <p:sp>
         <p:nvSpPr>
-          <p:cNvPr id="403517607" name="Subtitle 2"/>
+          <p:cNvPr id="1537067561" name="Subtitle 2"/>
           <p:cNvSpPr>
             <a:spLocks noGrp="1"/>
           </p:cNvSpPr>
@@ -5070,7 +5156,7 @@
       </p:grpSpPr>
       <p:sp>
         <p:nvSpPr>
-          <p:cNvPr id="1901905956" name="Title 1"/>
+          <p:cNvPr id="325570514" name="Title 1"/>
           <p:cNvSpPr>
             <a:spLocks noGrp="1"/>
           </p:cNvSpPr>
@@ -5096,7 +5182,7 @@
       </p:sp>
       <p:sp>
         <p:nvSpPr>
-          <p:cNvPr id="197293095" name="Content Placeholder 2"/>
+          <p:cNvPr id="1084525942" name="Content Placeholder 2"/>
           <p:cNvSpPr>
             <a:spLocks noGrp="1"/>
           </p:cNvSpPr>
@@ -5527,7 +5613,7 @@
       </p:grpSpPr>
       <p:sp>
         <p:nvSpPr>
-          <p:cNvPr id="1096381438" name="Title 1"/>
+          <p:cNvPr id="1181979136" name="Title 1"/>
           <p:cNvSpPr>
             <a:spLocks noGrp="1"/>
           </p:cNvSpPr>
@@ -5563,7 +5649,7 @@
       </p:sp>
       <p:sp>
         <p:nvSpPr>
-          <p:cNvPr id="1923390918" name="Content Placeholder 2"/>
+          <p:cNvPr id="1116787434" name="Content Placeholder 2"/>
           <p:cNvSpPr>
             <a:spLocks noGrp="1"/>
           </p:cNvSpPr>
@@ -5718,7 +5804,7 @@
       </p:sp>
       <p:sp>
         <p:nvSpPr>
-          <p:cNvPr id="304674904" name="Content Placeholder 2"/>
+          <p:cNvPr id="1037986989" name="Content Placeholder 2"/>
           <p:cNvSpPr>
             <a:spLocks noGrp="1"/>
           </p:cNvSpPr>
@@ -5726,7 +5812,7 @@
         </p:nvSpPr>
         <p:spPr bwMode="auto">
           <a:xfrm flipH="0" flipV="0">
-            <a:off x="6188363" y="1752600"/>
+            <a:off x="6188363" y="1752599"/>
             <a:ext cx="5531749" cy="2548080"/>
           </a:xfrm>
         </p:spPr>
@@ -5988,7 +6074,7 @@
       </p:grpSpPr>
       <p:sp>
         <p:nvSpPr>
-          <p:cNvPr id="393758237" name="Title 1"/>
+          <p:cNvPr id="1533865893" name="Title 1"/>
           <p:cNvSpPr>
             <a:spLocks noGrp="1"/>
           </p:cNvSpPr>
@@ -6024,7 +6110,7 @@
       </p:sp>
       <p:pic>
         <p:nvPicPr>
-          <p:cNvPr id="378443337" name=""/>
+          <p:cNvPr id="1830950479" name=""/>
           <p:cNvPicPr>
             <a:picLocks noChangeAspect="1"/>
           </p:cNvPicPr>
@@ -6038,7 +6124,7 @@
         <p:spPr bwMode="auto">
           <a:xfrm rot="0" flipH="0" flipV="0">
             <a:off x="2731815" y="141635"/>
-            <a:ext cx="4244431" cy="6574727"/>
+            <a:ext cx="4244431" cy="6574726"/>
           </a:xfrm>
           <a:prstGeom prst="rect">
             <a:avLst/>
@@ -6080,7 +6166,7 @@
       </p:grpSpPr>
       <p:sp>
         <p:nvSpPr>
-          <p:cNvPr id="1464291983" name="Title 1"/>
+          <p:cNvPr id="1025461823" name="Title 1"/>
           <p:cNvSpPr>
             <a:spLocks noGrp="1"/>
           </p:cNvSpPr>
@@ -6116,7 +6202,7 @@
       </p:sp>
       <p:sp>
         <p:nvSpPr>
-          <p:cNvPr id="767501637" name="Content Placeholder 2"/>
+          <p:cNvPr id="153686850" name="Content Placeholder 2"/>
           <p:cNvSpPr>
             <a:spLocks noGrp="1"/>
           </p:cNvSpPr>
@@ -6157,7 +6243,7 @@
       </p:sp>
       <p:pic>
         <p:nvPicPr>
-          <p:cNvPr id="588387757" name=""/>
+          <p:cNvPr id="1606811468" name=""/>
           <p:cNvPicPr>
             <a:picLocks noChangeAspect="1"/>
           </p:cNvPicPr>
@@ -6185,7 +6271,7 @@
       </p:pic>
       <p:pic>
         <p:nvPicPr>
-          <p:cNvPr id="1613310685" name=""/>
+          <p:cNvPr id="586895404" name=""/>
           <p:cNvPicPr>
             <a:picLocks noChangeAspect="1"/>
           </p:cNvPicPr>
@@ -6246,7 +6332,7 @@
       </p:grpSpPr>
       <p:sp>
         <p:nvSpPr>
-          <p:cNvPr id="1013855013" name="Title 1"/>
+          <p:cNvPr id="656279853" name="Title 1"/>
           <p:cNvSpPr>
             <a:spLocks noGrp="1"/>
           </p:cNvSpPr>
@@ -6272,12 +6358,142 @@
       </p:sp>
       <p:sp>
         <p:nvSpPr>
-          <p:cNvPr id="495922995" name="Content Placeholder 2"/>
+          <p:cNvPr id="1992441565" name="Content Placeholder 2"/>
           <p:cNvSpPr>
             <a:spLocks noGrp="1"/>
           </p:cNvSpPr>
           <p:nvPr>
             <p:ph idx="1"/>
+          </p:nvPr>
+        </p:nvSpPr>
+        <p:spPr bwMode="auto">
+          <a:xfrm flipH="0" flipV="0">
+            <a:off x="609598" y="1600200"/>
+            <a:ext cx="10972800" cy="1329458"/>
+          </a:xfrm>
+        </p:spPr>
+        <p:txBody>
+          <a:bodyPr vertOverflow="overflow" horzOverflow="overflow" vert="horz" wrap="square" lIns="91440" tIns="45720" rIns="91440" bIns="45720" numCol="1" spcCol="0" rtlCol="0" fromWordArt="0" anchor="t" anchorCtr="0" forceAA="0" upright="0" compatLnSpc="0">
+            <a:normAutofit fontScale="85000" lnSpcReduction="3000"/>
+          </a:bodyPr>
+          <a:lstStyle/>
+          <a:p>
+            <a:pPr>
+              <a:defRPr/>
+            </a:pPr>
+            <a:r>
+              <a:rPr/>
+              <a:t>Utilisation d’un agent IA</a:t>
+            </a:r>
+            <a:endParaRPr/>
+          </a:p>
+          <a:p>
+            <a:pPr>
+              <a:defRPr/>
+            </a:pPr>
+            <a:r>
+              <a:rPr/>
+              <a:t>Avec correction un version simplifié du wireframe</a:t>
+            </a:r>
+            <a:endParaRPr/>
+          </a:p>
+          <a:p>
+            <a:pPr>
+              <a:defRPr/>
+            </a:pPr>
+            <a:r>
+              <a:rPr/>
+              <a:t>Utilisation de Json pour sauvegarder des données</a:t>
+            </a:r>
+            <a:endParaRPr/>
+          </a:p>
+        </p:txBody>
+      </p:sp>
+      <p:pic>
+        <p:nvPicPr>
+          <p:cNvPr id="802595464" name=""/>
+          <p:cNvPicPr>
+            <a:picLocks noChangeAspect="1"/>
+          </p:cNvPicPr>
+          <p:nvPr/>
+        </p:nvPicPr>
+        <p:blipFill rotWithShape="1">
+          <a:blip r:embed="rId3"/>
+          <a:stretch/>
+        </p:blipFill>
+        <p:spPr bwMode="auto">
+          <a:xfrm flipH="0" flipV="0">
+            <a:off x="144317" y="2929658"/>
+            <a:ext cx="7534886" cy="3735588"/>
+          </a:xfrm>
+          <a:prstGeom prst="rect">
+            <a:avLst/>
+          </a:prstGeom>
+        </p:spPr>
+      </p:pic>
+      <p:pic>
+        <p:nvPicPr>
+          <p:cNvPr id="62411714" name=""/>
+          <p:cNvPicPr>
+            <a:picLocks noChangeAspect="1"/>
+          </p:cNvPicPr>
+          <p:nvPr/>
+        </p:nvPicPr>
+        <p:blipFill rotWithShape="1">
+          <a:blip r:embed="rId4"/>
+          <a:stretch/>
+        </p:blipFill>
+        <p:spPr bwMode="auto">
+          <a:xfrm flipH="0" flipV="0">
+            <a:off x="8108853" y="2871931"/>
+            <a:ext cx="2916478" cy="3723408"/>
+          </a:xfrm>
+          <a:prstGeom prst="rect">
+            <a:avLst/>
+          </a:prstGeom>
+        </p:spPr>
+      </p:pic>
+    </p:spTree>
+  </p:cSld>
+  <p:clrMapOvr>
+    <a:masterClrMapping/>
+  </p:clrMapOvr>
+  <mc:AlternateContent xmlns:mc="http://schemas.openxmlformats.org/markup-compatibility/2006">
+    <mc:Choice xmlns:p159="http://schemas.microsoft.com/office/powerpoint/2015/09/main" xmlns:p14="http://schemas.microsoft.com/office/powerpoint/2010/main" Requires="p159">
+      <p:transition p14:dur="2000" advClick="1"/>
+    </mc:Choice>
+    <mc:Fallback>
+      <p:transition advClick="1"/>
+    </mc:Fallback>
+  </mc:AlternateContent>
+</p:sld>
+</file>
+
+<file path=ppt/slides/slide7.xml><?xml version="1.0" encoding="utf-8"?>
+<p:sld xmlns:a="http://schemas.openxmlformats.org/drawingml/2006/main" xmlns:r="http://schemas.openxmlformats.org/officeDocument/2006/relationships" xmlns:p="http://schemas.openxmlformats.org/presentationml/2006/main" xmlns:m="http://schemas.openxmlformats.org/officeDocument/2006/math" xmlns:w="http://schemas.openxmlformats.org/wordprocessingml/2006/main" xmlns:mc="http://schemas.openxmlformats.org/markup-compatibility/2006" showMasterPhAnim="0" showMasterSp="1" show="1">
+  <p:cSld name="">
+    <p:spTree>
+      <p:nvGrpSpPr>
+        <p:cNvPr id="1" name=""/>
+        <p:cNvGrpSpPr/>
+        <p:nvPr/>
+      </p:nvGrpSpPr>
+      <p:grpSpPr bwMode="auto">
+        <a:xfrm>
+          <a:off x="0" y="0"/>
+          <a:ext cx="0" cy="0"/>
+          <a:chOff x="0" y="0"/>
+          <a:chExt cx="0" cy="0"/>
+        </a:xfrm>
+      </p:grpSpPr>
+      <p:sp>
+        <p:nvSpPr>
+          <p:cNvPr id="1170242778" name="Title 1"/>
+          <p:cNvSpPr>
+            <a:spLocks noGrp="1"/>
+          </p:cNvSpPr>
+          <p:nvPr>
+            <p:ph type="title"/>
           </p:nvPr>
         </p:nvSpPr>
         <p:spPr bwMode="auto"/>
@@ -6289,23 +6505,226 @@
               <a:defRPr/>
             </a:pPr>
             <a:r>
-              <a:rPr/>
+              <a:rPr lang="fr-FR" sz="4400" b="0" i="0" u="none" strike="noStrike" cap="none" spc="0">
+                <a:solidFill>
+                  <a:schemeClr val="tx1">
+                    <a:lumMod val="65000"/>
+                    <a:lumOff val="35000"/>
+                  </a:schemeClr>
+                </a:solidFill>
+                <a:latin typeface="+mj-lt"/>
+                <a:ea typeface="+mj-ea"/>
+                <a:cs typeface="+mj-cs"/>
+              </a:rPr>
+              <a:t>Création du </a:t>
+            </a:r>
+            <a:r>
+              <a:rPr/>
+              <a:t> Back</a:t>
+            </a:r>
+            <a:endParaRPr/>
+          </a:p>
+        </p:txBody>
+      </p:sp>
+      <p:sp>
+        <p:nvSpPr>
+          <p:cNvPr id="1723820823" name="Content Placeholder 2"/>
+          <p:cNvSpPr>
+            <a:spLocks noGrp="1"/>
+          </p:cNvSpPr>
+          <p:nvPr>
+            <p:ph idx="1"/>
+          </p:nvPr>
+        </p:nvSpPr>
+        <p:spPr bwMode="auto">
+          <a:xfrm flipH="0" flipV="0">
+            <a:off x="609598" y="1600200"/>
+            <a:ext cx="10972800" cy="1690253"/>
+          </a:xfrm>
+        </p:spPr>
+        <p:txBody>
+          <a:bodyPr vertOverflow="overflow" horzOverflow="overflow" vert="horz" wrap="square" lIns="91440" tIns="45720" rIns="91440" bIns="45720" numCol="1" spcCol="0" rtlCol="0" fromWordArt="0" anchor="t" anchorCtr="0" forceAA="0" upright="0" compatLnSpc="0">
+            <a:normAutofit fontScale="70000" lnSpcReduction="6000"/>
+          </a:bodyPr>
+          <a:lstStyle/>
+          <a:p>
+            <a:pPr>
+              <a:defRPr/>
+            </a:pPr>
+            <a:r>
+              <a:rPr lang="fr-FR" sz="3200" b="0" i="0" u="none" strike="noStrike" cap="none" spc="0">
+                <a:solidFill>
+                  <a:schemeClr val="tx1">
+                    <a:lumMod val="75000"/>
+                    <a:lumOff val="25000"/>
+                  </a:schemeClr>
+                </a:solidFill>
+                <a:latin typeface="+mn-lt"/>
+                <a:ea typeface="+mn-ea"/>
+                <a:cs typeface="+mn-cs"/>
+              </a:rPr>
               <a:t>Utilisation d’un agent IA</a:t>
             </a:r>
-            <a:endParaRPr/>
-          </a:p>
-          <a:p>
-            <a:pPr>
-              <a:defRPr/>
-            </a:pPr>
-            <a:r>
-              <a:rPr/>
-              <a:t>Avec correction un version simplifié de</a:t>
-            </a:r>
-            <a:endParaRPr/>
-          </a:p>
-        </p:txBody>
-      </p:sp>
+            <a:endParaRPr sz="3200"/>
+          </a:p>
+          <a:p>
+            <a:pPr>
+              <a:defRPr/>
+            </a:pPr>
+            <a:r>
+              <a:rPr lang="fr-FR" sz="3200" b="0" i="0" u="none" strike="noStrike" cap="none" spc="0">
+                <a:solidFill>
+                  <a:schemeClr val="tx1">
+                    <a:lumMod val="75000"/>
+                    <a:lumOff val="25000"/>
+                  </a:schemeClr>
+                </a:solidFill>
+                <a:latin typeface="+mn-lt"/>
+                <a:ea typeface="+mn-ea"/>
+                <a:cs typeface="+mn-cs"/>
+              </a:rPr>
+              <a:t>Utilisation du front et intégration</a:t>
+            </a:r>
+            <a:r>
+              <a:rPr lang="fr-FR" sz="3200" b="0" i="0" u="none" strike="noStrike" cap="none" spc="0">
+                <a:solidFill>
+                  <a:schemeClr val="tx1">
+                    <a:lumMod val="75000"/>
+                    <a:lumOff val="25000"/>
+                  </a:schemeClr>
+                </a:solidFill>
+                <a:latin typeface="+mn-lt"/>
+                <a:ea typeface="+mn-ea"/>
+                <a:cs typeface="+mn-cs"/>
+              </a:rPr>
+              <a:t> d’un CRUD simplifié</a:t>
+            </a:r>
+            <a:endParaRPr sz="3200"/>
+          </a:p>
+          <a:p>
+            <a:pPr>
+              <a:defRPr/>
+            </a:pPr>
+            <a:r>
+              <a:rPr lang="fr-FR" sz="3200" b="0" i="0" u="none" strike="noStrike" cap="none" spc="0">
+                <a:solidFill>
+                  <a:schemeClr val="tx1">
+                    <a:lumMod val="75000"/>
+                    <a:lumOff val="25000"/>
+                  </a:schemeClr>
+                </a:solidFill>
+                <a:latin typeface="+mn-lt"/>
+                <a:ea typeface="+mn-ea"/>
+                <a:cs typeface="+mn-cs"/>
+              </a:rPr>
+              <a:t>Utilisation de SQLite à la place de Json pour la data.</a:t>
+            </a:r>
+            <a:endParaRPr lang="fr-FR" sz="3200" b="0" i="0" u="none" strike="noStrike" cap="none" spc="0">
+              <a:solidFill>
+                <a:schemeClr val="tx1">
+                  <a:lumMod val="75000"/>
+                  <a:lumOff val="25000"/>
+                </a:schemeClr>
+              </a:solidFill>
+              <a:latin typeface="Times New Roman"/>
+              <a:cs typeface="Times New Roman"/>
+            </a:endParaRPr>
+          </a:p>
+          <a:p>
+            <a:pPr>
+              <a:defRPr/>
+            </a:pPr>
+            <a:r>
+              <a:rPr lang="fr-FR" sz="3200" b="0" i="0" u="none" strike="noStrike" cap="none" spc="0">
+                <a:solidFill>
+                  <a:schemeClr val="tx1">
+                    <a:lumMod val="75000"/>
+                    <a:lumOff val="25000"/>
+                  </a:schemeClr>
+                </a:solidFill>
+                <a:latin typeface="Arial"/>
+                <a:ea typeface="Arial"/>
+                <a:cs typeface="Arial"/>
+              </a:rPr>
+              <a:t>Json non supprimer, à faire corriger</a:t>
+            </a:r>
+            <a:endParaRPr lang="fr-FR" sz="3200" b="0" i="0" u="none" strike="noStrike" cap="none" spc="0">
+              <a:solidFill>
+                <a:schemeClr val="tx1">
+                  <a:lumMod val="75000"/>
+                  <a:lumOff val="25000"/>
+                </a:schemeClr>
+              </a:solidFill>
+              <a:latin typeface="Times New Roman"/>
+              <a:cs typeface="Times New Roman"/>
+            </a:endParaRPr>
+          </a:p>
+          <a:p>
+            <a:pPr>
+              <a:defRPr/>
+            </a:pPr>
+            <a:r>
+              <a:rPr lang="fr-FR" sz="3200" b="0" i="0" u="none" strike="noStrike" cap="none" spc="0">
+                <a:solidFill>
+                  <a:schemeClr val="tx1">
+                    <a:lumMod val="75000"/>
+                    <a:lumOff val="25000"/>
+                  </a:schemeClr>
+                </a:solidFill>
+                <a:latin typeface="Arial"/>
+                <a:ea typeface="Arial"/>
+                <a:cs typeface="Arial"/>
+              </a:rPr>
+              <a:t>Non utilisation de postman pour les tests</a:t>
+            </a:r>
+            <a:endParaRPr/>
+          </a:p>
+        </p:txBody>
+      </p:sp>
+      <p:pic>
+        <p:nvPicPr>
+          <p:cNvPr id="639440880" name=""/>
+          <p:cNvPicPr>
+            <a:picLocks noChangeAspect="1"/>
+          </p:cNvPicPr>
+          <p:nvPr/>
+        </p:nvPicPr>
+        <p:blipFill rotWithShape="1">
+          <a:blip r:embed="rId3"/>
+          <a:stretch/>
+        </p:blipFill>
+        <p:spPr bwMode="auto">
+          <a:xfrm flipH="0" flipV="0">
+            <a:off x="385905" y="3651249"/>
+            <a:ext cx="8375684" cy="2779029"/>
+          </a:xfrm>
+          <a:prstGeom prst="rect">
+            <a:avLst/>
+          </a:prstGeom>
+        </p:spPr>
+      </p:pic>
+      <p:pic>
+        <p:nvPicPr>
+          <p:cNvPr id="1534673725" name=""/>
+          <p:cNvPicPr>
+            <a:picLocks noChangeAspect="1"/>
+          </p:cNvPicPr>
+          <p:nvPr/>
+        </p:nvPicPr>
+        <p:blipFill rotWithShape="1">
+          <a:blip r:embed="rId4"/>
+          <a:stretch/>
+        </p:blipFill>
+        <p:spPr bwMode="auto">
+          <a:xfrm flipH="0" flipV="0">
+            <a:off x="8949204" y="2261715"/>
+            <a:ext cx="2921830" cy="4168563"/>
+          </a:xfrm>
+          <a:prstGeom prst="rect">
+            <a:avLst/>
+          </a:prstGeom>
+        </p:spPr>
+      </p:pic>
     </p:spTree>
   </p:cSld>
   <p:clrMapOvr>
